--- a/BDIIA05.pptx
+++ b/BDIIA05.pptx
@@ -322,7 +322,7 @@
             <a:fld id="{B61BEF0D-F0BB-DE4B-95CE-6DB70DBA9567}" type="datetimeFigureOut">
               <a:rPr lang="en-US" dirty="0"/>
               <a:pPr/>
-              <a:t>6/30/2020</a:t>
+              <a:t>5/24/2021</a:t>
             </a:fld>
             <a:endParaRPr lang="en-US" dirty="0"/>
           </a:p>
@@ -755,7 +755,7 @@
             <a:fld id="{B61BEF0D-F0BB-DE4B-95CE-6DB70DBA9567}" type="datetimeFigureOut">
               <a:rPr lang="en-US" dirty="0"/>
               <a:pPr/>
-              <a:t>6/30/2020</a:t>
+              <a:t>5/24/2021</a:t>
             </a:fld>
             <a:endParaRPr lang="en-US" dirty="0"/>
           </a:p>
@@ -1002,7 +1002,7 @@
             <a:fld id="{B61BEF0D-F0BB-DE4B-95CE-6DB70DBA9567}" type="datetimeFigureOut">
               <a:rPr lang="en-US" dirty="0"/>
               <a:pPr/>
-              <a:t>6/30/2020</a:t>
+              <a:t>5/24/2021</a:t>
             </a:fld>
             <a:endParaRPr lang="en-US" dirty="0"/>
           </a:p>
@@ -1307,7 +1307,7 @@
             <a:fld id="{B61BEF0D-F0BB-DE4B-95CE-6DB70DBA9567}" type="datetimeFigureOut">
               <a:rPr lang="en-US" dirty="0"/>
               <a:pPr/>
-              <a:t>6/30/2020</a:t>
+              <a:t>5/24/2021</a:t>
             </a:fld>
             <a:endParaRPr lang="en-US" dirty="0"/>
           </a:p>
@@ -1622,7 +1622,7 @@
             <a:fld id="{B61BEF0D-F0BB-DE4B-95CE-6DB70DBA9567}" type="datetimeFigureOut">
               <a:rPr lang="en-US" dirty="0"/>
               <a:pPr/>
-              <a:t>6/30/2020</a:t>
+              <a:t>5/24/2021</a:t>
             </a:fld>
             <a:endParaRPr lang="en-US" dirty="0"/>
           </a:p>
@@ -1921,7 +1921,7 @@
             <a:fld id="{B61BEF0D-F0BB-DE4B-95CE-6DB70DBA9567}" type="datetimeFigureOut">
               <a:rPr lang="en-US" dirty="0"/>
               <a:pPr/>
-              <a:t>6/30/2020</a:t>
+              <a:t>5/24/2021</a:t>
             </a:fld>
             <a:endParaRPr lang="en-US" dirty="0"/>
           </a:p>
@@ -2285,7 +2285,7 @@
             <a:fld id="{B61BEF0D-F0BB-DE4B-95CE-6DB70DBA9567}" type="datetimeFigureOut">
               <a:rPr lang="en-US" dirty="0"/>
               <a:pPr/>
-              <a:t>6/30/2020</a:t>
+              <a:t>5/24/2021</a:t>
             </a:fld>
             <a:endParaRPr lang="en-US" dirty="0"/>
           </a:p>
@@ -2456,7 +2456,7 @@
             <a:fld id="{B61BEF0D-F0BB-DE4B-95CE-6DB70DBA9567}" type="datetimeFigureOut">
               <a:rPr lang="en-US" dirty="0"/>
               <a:pPr/>
-              <a:t>6/30/2020</a:t>
+              <a:t>5/24/2021</a:t>
             </a:fld>
             <a:endParaRPr lang="en-US" dirty="0"/>
           </a:p>
@@ -2633,7 +2633,7 @@
             <a:fld id="{B61BEF0D-F0BB-DE4B-95CE-6DB70DBA9567}" type="datetimeFigureOut">
               <a:rPr lang="en-US" dirty="0"/>
               <a:pPr/>
-              <a:t>6/30/2020</a:t>
+              <a:t>5/24/2021</a:t>
             </a:fld>
             <a:endParaRPr lang="en-US" dirty="0"/>
           </a:p>
@@ -2800,7 +2800,7 @@
             <a:fld id="{B61BEF0D-F0BB-DE4B-95CE-6DB70DBA9567}" type="datetimeFigureOut">
               <a:rPr lang="en-US" dirty="0"/>
               <a:pPr/>
-              <a:t>6/30/2020</a:t>
+              <a:t>5/24/2021</a:t>
             </a:fld>
             <a:endParaRPr lang="en-US" dirty="0"/>
           </a:p>
@@ -3047,7 +3047,7 @@
             <a:fld id="{B61BEF0D-F0BB-DE4B-95CE-6DB70DBA9567}" type="datetimeFigureOut">
               <a:rPr lang="en-US" dirty="0"/>
               <a:pPr/>
-              <a:t>6/30/2020</a:t>
+              <a:t>5/24/2021</a:t>
             </a:fld>
             <a:endParaRPr lang="en-US" dirty="0"/>
           </a:p>
@@ -3280,7 +3280,7 @@
             <a:fld id="{B61BEF0D-F0BB-DE4B-95CE-6DB70DBA9567}" type="datetimeFigureOut">
               <a:rPr lang="en-US" dirty="0"/>
               <a:pPr/>
-              <a:t>6/30/2020</a:t>
+              <a:t>5/24/2021</a:t>
             </a:fld>
             <a:endParaRPr lang="en-US" dirty="0"/>
           </a:p>
@@ -3659,7 +3659,7 @@
             <a:fld id="{B61BEF0D-F0BB-DE4B-95CE-6DB70DBA9567}" type="datetimeFigureOut">
               <a:rPr lang="en-US" dirty="0"/>
               <a:pPr/>
-              <a:t>6/30/2020</a:t>
+              <a:t>5/24/2021</a:t>
             </a:fld>
             <a:endParaRPr lang="en-US" dirty="0"/>
           </a:p>
@@ -3774,7 +3774,7 @@
             <a:fld id="{B61BEF0D-F0BB-DE4B-95CE-6DB70DBA9567}" type="datetimeFigureOut">
               <a:rPr lang="en-US" dirty="0"/>
               <a:pPr/>
-              <a:t>6/30/2020</a:t>
+              <a:t>5/24/2021</a:t>
             </a:fld>
             <a:endParaRPr lang="en-US" dirty="0"/>
           </a:p>
@@ -3866,7 +3866,7 @@
             <a:fld id="{B61BEF0D-F0BB-DE4B-95CE-6DB70DBA9567}" type="datetimeFigureOut">
               <a:rPr lang="en-US" dirty="0"/>
               <a:pPr/>
-              <a:t>6/30/2020</a:t>
+              <a:t>5/24/2021</a:t>
             </a:fld>
             <a:endParaRPr lang="en-US" dirty="0"/>
           </a:p>
@@ -4118,7 +4118,7 @@
             <a:fld id="{B61BEF0D-F0BB-DE4B-95CE-6DB70DBA9567}" type="datetimeFigureOut">
               <a:rPr lang="en-US" dirty="0"/>
               <a:pPr/>
-              <a:t>6/30/2020</a:t>
+              <a:t>5/24/2021</a:t>
             </a:fld>
             <a:endParaRPr lang="en-US" dirty="0"/>
           </a:p>
@@ -4398,7 +4398,7 @@
             <a:fld id="{B61BEF0D-F0BB-DE4B-95CE-6DB70DBA9567}" type="datetimeFigureOut">
               <a:rPr lang="en-US" dirty="0"/>
               <a:pPr/>
-              <a:t>6/30/2020</a:t>
+              <a:t>5/24/2021</a:t>
             </a:fld>
             <a:endParaRPr lang="en-US" dirty="0"/>
           </a:p>
@@ -4801,7 +4801,7 @@
             <a:fld id="{B61BEF0D-F0BB-DE4B-95CE-6DB70DBA9567}" type="datetimeFigureOut">
               <a:rPr lang="en-US" dirty="0"/>
               <a:pPr/>
-              <a:t>6/30/2020</a:t>
+              <a:t>5/24/2021</a:t>
             </a:fld>
             <a:endParaRPr lang="en-US" dirty="0"/>
           </a:p>
@@ -6166,8 +6166,8 @@
         </p:nvSpPr>
         <p:spPr>
           <a:xfrm>
-            <a:off x="304185" y="308826"/>
-            <a:ext cx="11583619" cy="954107"/>
+            <a:off x="0" y="-52122"/>
+            <a:ext cx="12055642" cy="1631216"/>
           </a:xfrm>
           <a:prstGeom prst="rect">
             <a:avLst/>
@@ -6175,35 +6175,35 @@
           <a:noFill/>
         </p:spPr>
         <p:txBody>
-          <a:bodyPr wrap="none" rtlCol="0">
+          <a:bodyPr wrap="square" rtlCol="0">
             <a:spAutoFit/>
           </a:bodyPr>
           <a:lstStyle/>
           <a:p>
             <a:pPr algn="ctr"/>
             <a:r>
-              <a:rPr lang="pt-BR" sz="1400" dirty="0"/>
+              <a:rPr lang="pt-BR" sz="2000" dirty="0"/>
               <a:t>FOREIGN KEY -- chave estrangeira</a:t>
             </a:r>
           </a:p>
           <a:p>
             <a:pPr algn="ctr"/>
             <a:r>
-              <a:rPr lang="pt-BR" sz="1400" dirty="0"/>
+              <a:rPr lang="pt-BR" sz="2000" dirty="0"/>
               <a:t>É uma chave utilizada para estabelecer relação entre duas tabelas</a:t>
             </a:r>
           </a:p>
           <a:p>
             <a:pPr algn="ctr"/>
             <a:r>
-              <a:rPr lang="pt-BR" sz="1400" dirty="0"/>
+              <a:rPr lang="pt-BR" sz="2000" dirty="0"/>
               <a:t>É um, ou mais campos, de uma tabela que se referem a chave primária de outra tabela.</a:t>
             </a:r>
           </a:p>
           <a:p>
             <a:pPr algn="ctr"/>
             <a:r>
-              <a:rPr lang="pt-BR" sz="1400" dirty="0"/>
+              <a:rPr lang="pt-BR" sz="2000" dirty="0"/>
               <a:t>A tabela que contém a chave é chamada de tabela filho e a tabela que contém a chave candidata é chamada de tabela pai.</a:t>
             </a:r>
           </a:p>

--- a/BDIIA05.pptx
+++ b/BDIIA05.pptx
@@ -322,7 +322,7 @@
             <a:fld id="{B61BEF0D-F0BB-DE4B-95CE-6DB70DBA9567}" type="datetimeFigureOut">
               <a:rPr lang="en-US" dirty="0"/>
               <a:pPr/>
-              <a:t>5/24/2021</a:t>
+              <a:t>9/13/2021</a:t>
             </a:fld>
             <a:endParaRPr lang="en-US" dirty="0"/>
           </a:p>
@@ -755,7 +755,7 @@
             <a:fld id="{B61BEF0D-F0BB-DE4B-95CE-6DB70DBA9567}" type="datetimeFigureOut">
               <a:rPr lang="en-US" dirty="0"/>
               <a:pPr/>
-              <a:t>5/24/2021</a:t>
+              <a:t>9/13/2021</a:t>
             </a:fld>
             <a:endParaRPr lang="en-US" dirty="0"/>
           </a:p>
@@ -1002,7 +1002,7 @@
             <a:fld id="{B61BEF0D-F0BB-DE4B-95CE-6DB70DBA9567}" type="datetimeFigureOut">
               <a:rPr lang="en-US" dirty="0"/>
               <a:pPr/>
-              <a:t>5/24/2021</a:t>
+              <a:t>9/13/2021</a:t>
             </a:fld>
             <a:endParaRPr lang="en-US" dirty="0"/>
           </a:p>
@@ -1307,7 +1307,7 @@
             <a:fld id="{B61BEF0D-F0BB-DE4B-95CE-6DB70DBA9567}" type="datetimeFigureOut">
               <a:rPr lang="en-US" dirty="0"/>
               <a:pPr/>
-              <a:t>5/24/2021</a:t>
+              <a:t>9/13/2021</a:t>
             </a:fld>
             <a:endParaRPr lang="en-US" dirty="0"/>
           </a:p>
@@ -1622,7 +1622,7 @@
             <a:fld id="{B61BEF0D-F0BB-DE4B-95CE-6DB70DBA9567}" type="datetimeFigureOut">
               <a:rPr lang="en-US" dirty="0"/>
               <a:pPr/>
-              <a:t>5/24/2021</a:t>
+              <a:t>9/13/2021</a:t>
             </a:fld>
             <a:endParaRPr lang="en-US" dirty="0"/>
           </a:p>
@@ -1921,7 +1921,7 @@
             <a:fld id="{B61BEF0D-F0BB-DE4B-95CE-6DB70DBA9567}" type="datetimeFigureOut">
               <a:rPr lang="en-US" dirty="0"/>
               <a:pPr/>
-              <a:t>5/24/2021</a:t>
+              <a:t>9/13/2021</a:t>
             </a:fld>
             <a:endParaRPr lang="en-US" dirty="0"/>
           </a:p>
@@ -2285,7 +2285,7 @@
             <a:fld id="{B61BEF0D-F0BB-DE4B-95CE-6DB70DBA9567}" type="datetimeFigureOut">
               <a:rPr lang="en-US" dirty="0"/>
               <a:pPr/>
-              <a:t>5/24/2021</a:t>
+              <a:t>9/13/2021</a:t>
             </a:fld>
             <a:endParaRPr lang="en-US" dirty="0"/>
           </a:p>
@@ -2456,7 +2456,7 @@
             <a:fld id="{B61BEF0D-F0BB-DE4B-95CE-6DB70DBA9567}" type="datetimeFigureOut">
               <a:rPr lang="en-US" dirty="0"/>
               <a:pPr/>
-              <a:t>5/24/2021</a:t>
+              <a:t>9/13/2021</a:t>
             </a:fld>
             <a:endParaRPr lang="en-US" dirty="0"/>
           </a:p>
@@ -2633,7 +2633,7 @@
             <a:fld id="{B61BEF0D-F0BB-DE4B-95CE-6DB70DBA9567}" type="datetimeFigureOut">
               <a:rPr lang="en-US" dirty="0"/>
               <a:pPr/>
-              <a:t>5/24/2021</a:t>
+              <a:t>9/13/2021</a:t>
             </a:fld>
             <a:endParaRPr lang="en-US" dirty="0"/>
           </a:p>
@@ -2800,7 +2800,7 @@
             <a:fld id="{B61BEF0D-F0BB-DE4B-95CE-6DB70DBA9567}" type="datetimeFigureOut">
               <a:rPr lang="en-US" dirty="0"/>
               <a:pPr/>
-              <a:t>5/24/2021</a:t>
+              <a:t>9/13/2021</a:t>
             </a:fld>
             <a:endParaRPr lang="en-US" dirty="0"/>
           </a:p>
@@ -3047,7 +3047,7 @@
             <a:fld id="{B61BEF0D-F0BB-DE4B-95CE-6DB70DBA9567}" type="datetimeFigureOut">
               <a:rPr lang="en-US" dirty="0"/>
               <a:pPr/>
-              <a:t>5/24/2021</a:t>
+              <a:t>9/13/2021</a:t>
             </a:fld>
             <a:endParaRPr lang="en-US" dirty="0"/>
           </a:p>
@@ -3280,7 +3280,7 @@
             <a:fld id="{B61BEF0D-F0BB-DE4B-95CE-6DB70DBA9567}" type="datetimeFigureOut">
               <a:rPr lang="en-US" dirty="0"/>
               <a:pPr/>
-              <a:t>5/24/2021</a:t>
+              <a:t>9/13/2021</a:t>
             </a:fld>
             <a:endParaRPr lang="en-US" dirty="0"/>
           </a:p>
@@ -3659,7 +3659,7 @@
             <a:fld id="{B61BEF0D-F0BB-DE4B-95CE-6DB70DBA9567}" type="datetimeFigureOut">
               <a:rPr lang="en-US" dirty="0"/>
               <a:pPr/>
-              <a:t>5/24/2021</a:t>
+              <a:t>9/13/2021</a:t>
             </a:fld>
             <a:endParaRPr lang="en-US" dirty="0"/>
           </a:p>
@@ -3774,7 +3774,7 @@
             <a:fld id="{B61BEF0D-F0BB-DE4B-95CE-6DB70DBA9567}" type="datetimeFigureOut">
               <a:rPr lang="en-US" dirty="0"/>
               <a:pPr/>
-              <a:t>5/24/2021</a:t>
+              <a:t>9/13/2021</a:t>
             </a:fld>
             <a:endParaRPr lang="en-US" dirty="0"/>
           </a:p>
@@ -3866,7 +3866,7 @@
             <a:fld id="{B61BEF0D-F0BB-DE4B-95CE-6DB70DBA9567}" type="datetimeFigureOut">
               <a:rPr lang="en-US" dirty="0"/>
               <a:pPr/>
-              <a:t>5/24/2021</a:t>
+              <a:t>9/13/2021</a:t>
             </a:fld>
             <a:endParaRPr lang="en-US" dirty="0"/>
           </a:p>
@@ -4118,7 +4118,7 @@
             <a:fld id="{B61BEF0D-F0BB-DE4B-95CE-6DB70DBA9567}" type="datetimeFigureOut">
               <a:rPr lang="en-US" dirty="0"/>
               <a:pPr/>
-              <a:t>5/24/2021</a:t>
+              <a:t>9/13/2021</a:t>
             </a:fld>
             <a:endParaRPr lang="en-US" dirty="0"/>
           </a:p>
@@ -4398,7 +4398,7 @@
             <a:fld id="{B61BEF0D-F0BB-DE4B-95CE-6DB70DBA9567}" type="datetimeFigureOut">
               <a:rPr lang="en-US" dirty="0"/>
               <a:pPr/>
-              <a:t>5/24/2021</a:t>
+              <a:t>9/13/2021</a:t>
             </a:fld>
             <a:endParaRPr lang="en-US" dirty="0"/>
           </a:p>
@@ -4801,7 +4801,7 @@
             <a:fld id="{B61BEF0D-F0BB-DE4B-95CE-6DB70DBA9567}" type="datetimeFigureOut">
               <a:rPr lang="en-US" dirty="0"/>
               <a:pPr/>
-              <a:t>5/24/2021</a:t>
+              <a:t>9/13/2021</a:t>
             </a:fld>
             <a:endParaRPr lang="en-US" dirty="0"/>
           </a:p>
@@ -7500,15 +7500,7 @@
           <a:p>
             <a:r>
               <a:rPr lang="pt-BR" sz="2400" dirty="0"/>
-              <a:t>PRIMARY KEY  - Uma combinação de NOT </a:t>
-            </a:r>
-            <a:r>
-              <a:rPr lang="pt-BR" sz="2400" dirty="0" err="1"/>
-              <a:t>NOT</a:t>
-            </a:r>
-            <a:r>
-              <a:rPr lang="pt-BR" sz="2400" dirty="0"/>
-              <a:t> NULL e UNIQUE. Identifica exclusivamente cada linha em uma tabela</a:t>
+              <a:t>PRIMARY KEY  - Uma combinação de NOT NULL e UNIQUE. Identifica exclusivamente cada linha em uma tabela</a:t>
             </a:r>
           </a:p>
           <a:p>

--- a/BDIIA05.pptx
+++ b/BDIIA05.pptx
@@ -322,7 +322,7 @@
             <a:fld id="{B61BEF0D-F0BB-DE4B-95CE-6DB70DBA9567}" type="datetimeFigureOut">
               <a:rPr lang="en-US" dirty="0"/>
               <a:pPr/>
-              <a:t>9/13/2021</a:t>
+              <a:t>10/25/2021</a:t>
             </a:fld>
             <a:endParaRPr lang="en-US" dirty="0"/>
           </a:p>
@@ -755,7 +755,7 @@
             <a:fld id="{B61BEF0D-F0BB-DE4B-95CE-6DB70DBA9567}" type="datetimeFigureOut">
               <a:rPr lang="en-US" dirty="0"/>
               <a:pPr/>
-              <a:t>9/13/2021</a:t>
+              <a:t>10/25/2021</a:t>
             </a:fld>
             <a:endParaRPr lang="en-US" dirty="0"/>
           </a:p>
@@ -1002,7 +1002,7 @@
             <a:fld id="{B61BEF0D-F0BB-DE4B-95CE-6DB70DBA9567}" type="datetimeFigureOut">
               <a:rPr lang="en-US" dirty="0"/>
               <a:pPr/>
-              <a:t>9/13/2021</a:t>
+              <a:t>10/25/2021</a:t>
             </a:fld>
             <a:endParaRPr lang="en-US" dirty="0"/>
           </a:p>
@@ -1307,7 +1307,7 @@
             <a:fld id="{B61BEF0D-F0BB-DE4B-95CE-6DB70DBA9567}" type="datetimeFigureOut">
               <a:rPr lang="en-US" dirty="0"/>
               <a:pPr/>
-              <a:t>9/13/2021</a:t>
+              <a:t>10/25/2021</a:t>
             </a:fld>
             <a:endParaRPr lang="en-US" dirty="0"/>
           </a:p>
@@ -1622,7 +1622,7 @@
             <a:fld id="{B61BEF0D-F0BB-DE4B-95CE-6DB70DBA9567}" type="datetimeFigureOut">
               <a:rPr lang="en-US" dirty="0"/>
               <a:pPr/>
-              <a:t>9/13/2021</a:t>
+              <a:t>10/25/2021</a:t>
             </a:fld>
             <a:endParaRPr lang="en-US" dirty="0"/>
           </a:p>
@@ -1921,7 +1921,7 @@
             <a:fld id="{B61BEF0D-F0BB-DE4B-95CE-6DB70DBA9567}" type="datetimeFigureOut">
               <a:rPr lang="en-US" dirty="0"/>
               <a:pPr/>
-              <a:t>9/13/2021</a:t>
+              <a:t>10/25/2021</a:t>
             </a:fld>
             <a:endParaRPr lang="en-US" dirty="0"/>
           </a:p>
@@ -2285,7 +2285,7 @@
             <a:fld id="{B61BEF0D-F0BB-DE4B-95CE-6DB70DBA9567}" type="datetimeFigureOut">
               <a:rPr lang="en-US" dirty="0"/>
               <a:pPr/>
-              <a:t>9/13/2021</a:t>
+              <a:t>10/25/2021</a:t>
             </a:fld>
             <a:endParaRPr lang="en-US" dirty="0"/>
           </a:p>
@@ -2456,7 +2456,7 @@
             <a:fld id="{B61BEF0D-F0BB-DE4B-95CE-6DB70DBA9567}" type="datetimeFigureOut">
               <a:rPr lang="en-US" dirty="0"/>
               <a:pPr/>
-              <a:t>9/13/2021</a:t>
+              <a:t>10/25/2021</a:t>
             </a:fld>
             <a:endParaRPr lang="en-US" dirty="0"/>
           </a:p>
@@ -2633,7 +2633,7 @@
             <a:fld id="{B61BEF0D-F0BB-DE4B-95CE-6DB70DBA9567}" type="datetimeFigureOut">
               <a:rPr lang="en-US" dirty="0"/>
               <a:pPr/>
-              <a:t>9/13/2021</a:t>
+              <a:t>10/25/2021</a:t>
             </a:fld>
             <a:endParaRPr lang="en-US" dirty="0"/>
           </a:p>
@@ -2800,7 +2800,7 @@
             <a:fld id="{B61BEF0D-F0BB-DE4B-95CE-6DB70DBA9567}" type="datetimeFigureOut">
               <a:rPr lang="en-US" dirty="0"/>
               <a:pPr/>
-              <a:t>9/13/2021</a:t>
+              <a:t>10/25/2021</a:t>
             </a:fld>
             <a:endParaRPr lang="en-US" dirty="0"/>
           </a:p>
@@ -3047,7 +3047,7 @@
             <a:fld id="{B61BEF0D-F0BB-DE4B-95CE-6DB70DBA9567}" type="datetimeFigureOut">
               <a:rPr lang="en-US" dirty="0"/>
               <a:pPr/>
-              <a:t>9/13/2021</a:t>
+              <a:t>10/25/2021</a:t>
             </a:fld>
             <a:endParaRPr lang="en-US" dirty="0"/>
           </a:p>
@@ -3280,7 +3280,7 @@
             <a:fld id="{B61BEF0D-F0BB-DE4B-95CE-6DB70DBA9567}" type="datetimeFigureOut">
               <a:rPr lang="en-US" dirty="0"/>
               <a:pPr/>
-              <a:t>9/13/2021</a:t>
+              <a:t>10/25/2021</a:t>
             </a:fld>
             <a:endParaRPr lang="en-US" dirty="0"/>
           </a:p>
@@ -3659,7 +3659,7 @@
             <a:fld id="{B61BEF0D-F0BB-DE4B-95CE-6DB70DBA9567}" type="datetimeFigureOut">
               <a:rPr lang="en-US" dirty="0"/>
               <a:pPr/>
-              <a:t>9/13/2021</a:t>
+              <a:t>10/25/2021</a:t>
             </a:fld>
             <a:endParaRPr lang="en-US" dirty="0"/>
           </a:p>
@@ -3774,7 +3774,7 @@
             <a:fld id="{B61BEF0D-F0BB-DE4B-95CE-6DB70DBA9567}" type="datetimeFigureOut">
               <a:rPr lang="en-US" dirty="0"/>
               <a:pPr/>
-              <a:t>9/13/2021</a:t>
+              <a:t>10/25/2021</a:t>
             </a:fld>
             <a:endParaRPr lang="en-US" dirty="0"/>
           </a:p>
@@ -3866,7 +3866,7 @@
             <a:fld id="{B61BEF0D-F0BB-DE4B-95CE-6DB70DBA9567}" type="datetimeFigureOut">
               <a:rPr lang="en-US" dirty="0"/>
               <a:pPr/>
-              <a:t>9/13/2021</a:t>
+              <a:t>10/25/2021</a:t>
             </a:fld>
             <a:endParaRPr lang="en-US" dirty="0"/>
           </a:p>
@@ -4118,7 +4118,7 @@
             <a:fld id="{B61BEF0D-F0BB-DE4B-95CE-6DB70DBA9567}" type="datetimeFigureOut">
               <a:rPr lang="en-US" dirty="0"/>
               <a:pPr/>
-              <a:t>9/13/2021</a:t>
+              <a:t>10/25/2021</a:t>
             </a:fld>
             <a:endParaRPr lang="en-US" dirty="0"/>
           </a:p>
@@ -4398,7 +4398,7 @@
             <a:fld id="{B61BEF0D-F0BB-DE4B-95CE-6DB70DBA9567}" type="datetimeFigureOut">
               <a:rPr lang="en-US" dirty="0"/>
               <a:pPr/>
-              <a:t>9/13/2021</a:t>
+              <a:t>10/25/2021</a:t>
             </a:fld>
             <a:endParaRPr lang="en-US" dirty="0"/>
           </a:p>
@@ -4801,7 +4801,7 @@
             <a:fld id="{B61BEF0D-F0BB-DE4B-95CE-6DB70DBA9567}" type="datetimeFigureOut">
               <a:rPr lang="en-US" dirty="0"/>
               <a:pPr/>
-              <a:t>9/13/2021</a:t>
+              <a:t>10/25/2021</a:t>
             </a:fld>
             <a:endParaRPr lang="en-US" dirty="0"/>
           </a:p>
@@ -6239,6 +6239,50 @@
           </a:prstGeom>
         </p:spPr>
       </p:pic>
+      <p:sp>
+        <p:nvSpPr>
+          <p:cNvPr id="3" name="CaixaDeTexto 2">
+            <a:extLst>
+              <a:ext uri="{FF2B5EF4-FFF2-40B4-BE49-F238E27FC236}">
+                <a16:creationId xmlns:a16="http://schemas.microsoft.com/office/drawing/2014/main" id="{6DF2C8F4-D07F-4FAA-9F66-56B591044067}"/>
+              </a:ext>
+            </a:extLst>
+          </p:cNvPr>
+          <p:cNvSpPr txBox="1"/>
+          <p:nvPr/>
+        </p:nvSpPr>
+        <p:spPr>
+          <a:xfrm>
+            <a:off x="7662333" y="2116666"/>
+            <a:ext cx="1980029" cy="369332"/>
+          </a:xfrm>
+          <a:prstGeom prst="rect">
+            <a:avLst/>
+          </a:prstGeom>
+          <a:noFill/>
+        </p:spPr>
+        <p:txBody>
+          <a:bodyPr wrap="none" rtlCol="0">
+            <a:spAutoFit/>
+          </a:bodyPr>
+          <a:lstStyle/>
+          <a:p>
+            <a:r>
+              <a:rPr lang="en-US" dirty="0">
+                <a:solidFill>
+                  <a:srgbClr val="FF0000"/>
+                </a:solidFill>
+              </a:rPr>
+              <a:t>ID é primary key</a:t>
+            </a:r>
+            <a:endParaRPr lang="pt-BR" dirty="0">
+              <a:solidFill>
+                <a:srgbClr val="FF0000"/>
+              </a:solidFill>
+            </a:endParaRPr>
+          </a:p>
+        </p:txBody>
+      </p:sp>
     </p:spTree>
     <p:extLst>
       <p:ext uri="{BB962C8B-B14F-4D97-AF65-F5344CB8AC3E}">

--- a/BDIIA05.pptx
+++ b/BDIIA05.pptx
@@ -322,7 +322,7 @@
             <a:fld id="{B61BEF0D-F0BB-DE4B-95CE-6DB70DBA9567}" type="datetimeFigureOut">
               <a:rPr lang="en-US" dirty="0"/>
               <a:pPr/>
-              <a:t>10/25/2021</a:t>
+              <a:t>5/5/2023</a:t>
             </a:fld>
             <a:endParaRPr lang="en-US" dirty="0"/>
           </a:p>
@@ -755,7 +755,7 @@
             <a:fld id="{B61BEF0D-F0BB-DE4B-95CE-6DB70DBA9567}" type="datetimeFigureOut">
               <a:rPr lang="en-US" dirty="0"/>
               <a:pPr/>
-              <a:t>10/25/2021</a:t>
+              <a:t>5/5/2023</a:t>
             </a:fld>
             <a:endParaRPr lang="en-US" dirty="0"/>
           </a:p>
@@ -1002,7 +1002,7 @@
             <a:fld id="{B61BEF0D-F0BB-DE4B-95CE-6DB70DBA9567}" type="datetimeFigureOut">
               <a:rPr lang="en-US" dirty="0"/>
               <a:pPr/>
-              <a:t>10/25/2021</a:t>
+              <a:t>5/5/2023</a:t>
             </a:fld>
             <a:endParaRPr lang="en-US" dirty="0"/>
           </a:p>
@@ -1307,7 +1307,7 @@
             <a:fld id="{B61BEF0D-F0BB-DE4B-95CE-6DB70DBA9567}" type="datetimeFigureOut">
               <a:rPr lang="en-US" dirty="0"/>
               <a:pPr/>
-              <a:t>10/25/2021</a:t>
+              <a:t>5/5/2023</a:t>
             </a:fld>
             <a:endParaRPr lang="en-US" dirty="0"/>
           </a:p>
@@ -1622,7 +1622,7 @@
             <a:fld id="{B61BEF0D-F0BB-DE4B-95CE-6DB70DBA9567}" type="datetimeFigureOut">
               <a:rPr lang="en-US" dirty="0"/>
               <a:pPr/>
-              <a:t>10/25/2021</a:t>
+              <a:t>5/5/2023</a:t>
             </a:fld>
             <a:endParaRPr lang="en-US" dirty="0"/>
           </a:p>
@@ -1921,7 +1921,7 @@
             <a:fld id="{B61BEF0D-F0BB-DE4B-95CE-6DB70DBA9567}" type="datetimeFigureOut">
               <a:rPr lang="en-US" dirty="0"/>
               <a:pPr/>
-              <a:t>10/25/2021</a:t>
+              <a:t>5/5/2023</a:t>
             </a:fld>
             <a:endParaRPr lang="en-US" dirty="0"/>
           </a:p>
@@ -2285,7 +2285,7 @@
             <a:fld id="{B61BEF0D-F0BB-DE4B-95CE-6DB70DBA9567}" type="datetimeFigureOut">
               <a:rPr lang="en-US" dirty="0"/>
               <a:pPr/>
-              <a:t>10/25/2021</a:t>
+              <a:t>5/5/2023</a:t>
             </a:fld>
             <a:endParaRPr lang="en-US" dirty="0"/>
           </a:p>
@@ -2456,7 +2456,7 @@
             <a:fld id="{B61BEF0D-F0BB-DE4B-95CE-6DB70DBA9567}" type="datetimeFigureOut">
               <a:rPr lang="en-US" dirty="0"/>
               <a:pPr/>
-              <a:t>10/25/2021</a:t>
+              <a:t>5/5/2023</a:t>
             </a:fld>
             <a:endParaRPr lang="en-US" dirty="0"/>
           </a:p>
@@ -2633,7 +2633,7 @@
             <a:fld id="{B61BEF0D-F0BB-DE4B-95CE-6DB70DBA9567}" type="datetimeFigureOut">
               <a:rPr lang="en-US" dirty="0"/>
               <a:pPr/>
-              <a:t>10/25/2021</a:t>
+              <a:t>5/5/2023</a:t>
             </a:fld>
             <a:endParaRPr lang="en-US" dirty="0"/>
           </a:p>
@@ -2800,7 +2800,7 @@
             <a:fld id="{B61BEF0D-F0BB-DE4B-95CE-6DB70DBA9567}" type="datetimeFigureOut">
               <a:rPr lang="en-US" dirty="0"/>
               <a:pPr/>
-              <a:t>10/25/2021</a:t>
+              <a:t>5/5/2023</a:t>
             </a:fld>
             <a:endParaRPr lang="en-US" dirty="0"/>
           </a:p>
@@ -3047,7 +3047,7 @@
             <a:fld id="{B61BEF0D-F0BB-DE4B-95CE-6DB70DBA9567}" type="datetimeFigureOut">
               <a:rPr lang="en-US" dirty="0"/>
               <a:pPr/>
-              <a:t>10/25/2021</a:t>
+              <a:t>5/5/2023</a:t>
             </a:fld>
             <a:endParaRPr lang="en-US" dirty="0"/>
           </a:p>
@@ -3280,7 +3280,7 @@
             <a:fld id="{B61BEF0D-F0BB-DE4B-95CE-6DB70DBA9567}" type="datetimeFigureOut">
               <a:rPr lang="en-US" dirty="0"/>
               <a:pPr/>
-              <a:t>10/25/2021</a:t>
+              <a:t>5/5/2023</a:t>
             </a:fld>
             <a:endParaRPr lang="en-US" dirty="0"/>
           </a:p>
@@ -3659,7 +3659,7 @@
             <a:fld id="{B61BEF0D-F0BB-DE4B-95CE-6DB70DBA9567}" type="datetimeFigureOut">
               <a:rPr lang="en-US" dirty="0"/>
               <a:pPr/>
-              <a:t>10/25/2021</a:t>
+              <a:t>5/5/2023</a:t>
             </a:fld>
             <a:endParaRPr lang="en-US" dirty="0"/>
           </a:p>
@@ -3774,7 +3774,7 @@
             <a:fld id="{B61BEF0D-F0BB-DE4B-95CE-6DB70DBA9567}" type="datetimeFigureOut">
               <a:rPr lang="en-US" dirty="0"/>
               <a:pPr/>
-              <a:t>10/25/2021</a:t>
+              <a:t>5/5/2023</a:t>
             </a:fld>
             <a:endParaRPr lang="en-US" dirty="0"/>
           </a:p>
@@ -3866,7 +3866,7 @@
             <a:fld id="{B61BEF0D-F0BB-DE4B-95CE-6DB70DBA9567}" type="datetimeFigureOut">
               <a:rPr lang="en-US" dirty="0"/>
               <a:pPr/>
-              <a:t>10/25/2021</a:t>
+              <a:t>5/5/2023</a:t>
             </a:fld>
             <a:endParaRPr lang="en-US" dirty="0"/>
           </a:p>
@@ -4118,7 +4118,7 @@
             <a:fld id="{B61BEF0D-F0BB-DE4B-95CE-6DB70DBA9567}" type="datetimeFigureOut">
               <a:rPr lang="en-US" dirty="0"/>
               <a:pPr/>
-              <a:t>10/25/2021</a:t>
+              <a:t>5/5/2023</a:t>
             </a:fld>
             <a:endParaRPr lang="en-US" dirty="0"/>
           </a:p>
@@ -4398,7 +4398,7 @@
             <a:fld id="{B61BEF0D-F0BB-DE4B-95CE-6DB70DBA9567}" type="datetimeFigureOut">
               <a:rPr lang="en-US" dirty="0"/>
               <a:pPr/>
-              <a:t>10/25/2021</a:t>
+              <a:t>5/5/2023</a:t>
             </a:fld>
             <a:endParaRPr lang="en-US" dirty="0"/>
           </a:p>
@@ -4801,7 +4801,7 @@
             <a:fld id="{B61BEF0D-F0BB-DE4B-95CE-6DB70DBA9567}" type="datetimeFigureOut">
               <a:rPr lang="en-US" dirty="0"/>
               <a:pPr/>
-              <a:t>10/25/2021</a:t>
+              <a:t>5/5/2023</a:t>
             </a:fld>
             <a:endParaRPr lang="en-US" dirty="0"/>
           </a:p>
@@ -6211,10 +6211,10 @@
       </p:sp>
       <p:pic>
         <p:nvPicPr>
-          <p:cNvPr id="2" name="Imagem 1">
+          <p:cNvPr id="5" name="Imagem 4">
             <a:extLst>
               <a:ext uri="{FF2B5EF4-FFF2-40B4-BE49-F238E27FC236}">
-                <a16:creationId xmlns:a16="http://schemas.microsoft.com/office/drawing/2014/main" id="{DE85892F-D3CB-4D88-9B77-9DC2ABA0D262}"/>
+                <a16:creationId xmlns:a16="http://schemas.microsoft.com/office/drawing/2014/main" id="{45B8B757-0716-66F9-C02E-9FAD99508AC9}"/>
               </a:ext>
             </a:extLst>
           </p:cNvPr>
@@ -6231,8 +6231,8 @@
         </p:blipFill>
         <p:spPr>
           <a:xfrm>
-            <a:off x="2473581" y="1562467"/>
-            <a:ext cx="7244838" cy="4986707"/>
+            <a:off x="1999488" y="1579094"/>
+            <a:ext cx="8666825" cy="4531386"/>
           </a:xfrm>
           <a:prstGeom prst="rect">
             <a:avLst/>
@@ -6241,10 +6241,10 @@
       </p:pic>
       <p:sp>
         <p:nvSpPr>
-          <p:cNvPr id="3" name="CaixaDeTexto 2">
+          <p:cNvPr id="6" name="CaixaDeTexto 5">
             <a:extLst>
               <a:ext uri="{FF2B5EF4-FFF2-40B4-BE49-F238E27FC236}">
-                <a16:creationId xmlns:a16="http://schemas.microsoft.com/office/drawing/2014/main" id="{6DF2C8F4-D07F-4FAA-9F66-56B591044067}"/>
+                <a16:creationId xmlns:a16="http://schemas.microsoft.com/office/drawing/2014/main" id="{7924A9B4-98CA-037D-8F25-D20BCFE730A7}"/>
               </a:ext>
             </a:extLst>
           </p:cNvPr>
@@ -6253,7 +6253,7 @@
         </p:nvSpPr>
         <p:spPr>
           <a:xfrm>
-            <a:off x="7662333" y="2116666"/>
+            <a:off x="8390934" y="2067898"/>
             <a:ext cx="1980029" cy="369332"/>
           </a:xfrm>
           <a:prstGeom prst="rect">
@@ -6351,10 +6351,10 @@
       </p:sp>
       <p:pic>
         <p:nvPicPr>
-          <p:cNvPr id="3" name="Imagem 2">
+          <p:cNvPr id="4" name="Imagem 3">
             <a:extLst>
               <a:ext uri="{FF2B5EF4-FFF2-40B4-BE49-F238E27FC236}">
-                <a16:creationId xmlns:a16="http://schemas.microsoft.com/office/drawing/2014/main" id="{231526C6-2AC6-43A1-A485-16D183CAF4BB}"/>
+                <a16:creationId xmlns:a16="http://schemas.microsoft.com/office/drawing/2014/main" id="{1F4943A7-4D28-E92C-E773-B8E474D094B9}"/>
               </a:ext>
             </a:extLst>
           </p:cNvPr>
@@ -6371,8 +6371,8 @@
         </p:blipFill>
         <p:spPr>
           <a:xfrm>
-            <a:off x="1969556" y="1118937"/>
-            <a:ext cx="9134055" cy="5113421"/>
+            <a:off x="869184" y="1087821"/>
+            <a:ext cx="10524030" cy="4713889"/>
           </a:xfrm>
           <a:prstGeom prst="rect">
             <a:avLst/>

--- a/BDIIA05.pptx
+++ b/BDIIA05.pptx
@@ -24,6 +24,8 @@
     <p:sldId id="272" r:id="rId18"/>
     <p:sldId id="273" r:id="rId19"/>
     <p:sldId id="274" r:id="rId20"/>
+    <p:sldId id="275" r:id="rId21"/>
+    <p:sldId id="276" r:id="rId22"/>
   </p:sldIdLst>
   <p:sldSz cx="12192000" cy="6858000"/>
   <p:notesSz cx="6858000" cy="9144000"/>
@@ -7274,6 +7276,433 @@
 </p:sld>
 </file>
 
+<file path=ppt/slides/slide20.xml><?xml version="1.0" encoding="utf-8"?>
+<p:sld xmlns:a="http://schemas.openxmlformats.org/drawingml/2006/main" xmlns:r="http://schemas.openxmlformats.org/officeDocument/2006/relationships" xmlns:p="http://schemas.openxmlformats.org/presentationml/2006/main">
+  <p:cSld>
+    <p:spTree>
+      <p:nvGrpSpPr>
+        <p:cNvPr id="1" name=""/>
+        <p:cNvGrpSpPr/>
+        <p:nvPr/>
+      </p:nvGrpSpPr>
+      <p:grpSpPr>
+        <a:xfrm>
+          <a:off x="0" y="0"/>
+          <a:ext cx="0" cy="0"/>
+          <a:chOff x="0" y="0"/>
+          <a:chExt cx="0" cy="0"/>
+        </a:xfrm>
+      </p:grpSpPr>
+      <p:sp>
+        <p:nvSpPr>
+          <p:cNvPr id="9" name="CaixaDeTexto 8">
+            <a:extLst>
+              <a:ext uri="{FF2B5EF4-FFF2-40B4-BE49-F238E27FC236}">
+                <a16:creationId xmlns:a16="http://schemas.microsoft.com/office/drawing/2014/main" id="{7A02424A-D3F7-49ED-9272-AE38106E51E9}"/>
+              </a:ext>
+            </a:extLst>
+          </p:cNvPr>
+          <p:cNvSpPr txBox="1"/>
+          <p:nvPr/>
+        </p:nvSpPr>
+        <p:spPr>
+          <a:xfrm>
+            <a:off x="5352842" y="308826"/>
+            <a:ext cx="1486304" cy="307777"/>
+          </a:xfrm>
+          <a:prstGeom prst="rect">
+            <a:avLst/>
+          </a:prstGeom>
+          <a:noFill/>
+        </p:spPr>
+        <p:txBody>
+          <a:bodyPr wrap="none" rtlCol="0">
+            <a:spAutoFit/>
+          </a:bodyPr>
+          <a:lstStyle/>
+          <a:p>
+            <a:pPr algn="ctr"/>
+            <a:r>
+              <a:rPr lang="pt-BR" sz="1400" dirty="0"/>
+              <a:t>Modificadores</a:t>
+            </a:r>
+          </a:p>
+        </p:txBody>
+      </p:sp>
+      <p:sp>
+        <p:nvSpPr>
+          <p:cNvPr id="2" name="CaixaDeTexto 1">
+            <a:extLst>
+              <a:ext uri="{FF2B5EF4-FFF2-40B4-BE49-F238E27FC236}">
+                <a16:creationId xmlns:a16="http://schemas.microsoft.com/office/drawing/2014/main" id="{9EE67E62-772B-4B12-C46F-89B5C6DF6E97}"/>
+              </a:ext>
+            </a:extLst>
+          </p:cNvPr>
+          <p:cNvSpPr txBox="1"/>
+          <p:nvPr/>
+        </p:nvSpPr>
+        <p:spPr>
+          <a:xfrm>
+            <a:off x="451104" y="753834"/>
+            <a:ext cx="11375136" cy="5509200"/>
+          </a:xfrm>
+          <a:prstGeom prst="rect">
+            <a:avLst/>
+          </a:prstGeom>
+          <a:noFill/>
+        </p:spPr>
+        <p:txBody>
+          <a:bodyPr wrap="square" rtlCol="0">
+            <a:spAutoFit/>
+          </a:bodyPr>
+          <a:lstStyle/>
+          <a:p>
+            <a:pPr algn="l" fontAlgn="base">
+              <a:buFont typeface="Arial" panose="020B0604020202020204" pitchFamily="34" charset="0"/>
+              <a:buChar char="•"/>
+            </a:pPr>
+            <a:r>
+              <a:rPr lang="pt-BR" sz="1600" b="1" i="0" dirty="0">
+                <a:effectLst/>
+                <a:latin typeface="inherit"/>
+              </a:rPr>
+              <a:t>ON DELETE CASCADE</a:t>
+            </a:r>
+            <a:r>
+              <a:rPr lang="pt-BR" sz="1600" b="0" i="0" dirty="0">
+                <a:effectLst/>
+                <a:latin typeface="Open Sans" panose="020B0606030504020204" pitchFamily="34" charset="0"/>
+              </a:rPr>
+              <a:t> – Uma operação de exclusão em uma tabela referenciada se propaga (</a:t>
+            </a:r>
+            <a:r>
+              <a:rPr lang="pt-BR" sz="1600" b="0" i="0" dirty="0" err="1">
+                <a:effectLst/>
+                <a:latin typeface="Open Sans" panose="020B0606030504020204" pitchFamily="34" charset="0"/>
+              </a:rPr>
+              <a:t>cascade</a:t>
+            </a:r>
+            <a:r>
+              <a:rPr lang="pt-BR" sz="1600" b="0" i="0" dirty="0">
+                <a:effectLst/>
+                <a:latin typeface="Open Sans" panose="020B0606030504020204" pitchFamily="34" charset="0"/>
+              </a:rPr>
+              <a:t> = em cascata) para as chaves estrangeiras correspondentes. Ou seja, ao excluir um registro em uma tabela, um registro relacionado em outra tabela é automaticamente excluído. Por exemplo, se uma editora de uma tabela de editoras for excluída, os livros da tabela de livros relacionados com esta editora também serão excluídos automaticamente.</a:t>
+            </a:r>
+          </a:p>
+          <a:p>
+            <a:pPr algn="l" fontAlgn="base">
+              <a:buFont typeface="Arial" panose="020B0604020202020204" pitchFamily="34" charset="0"/>
+              <a:buChar char="•"/>
+            </a:pPr>
+            <a:endParaRPr lang="pt-BR" sz="1600" b="0" i="0" dirty="0">
+              <a:effectLst/>
+              <a:latin typeface="Open Sans" panose="020B0606030504020204" pitchFamily="34" charset="0"/>
+            </a:endParaRPr>
+          </a:p>
+          <a:p>
+            <a:pPr algn="l" fontAlgn="base">
+              <a:buFont typeface="Arial" panose="020B0604020202020204" pitchFamily="34" charset="0"/>
+              <a:buChar char="•"/>
+            </a:pPr>
+            <a:r>
+              <a:rPr lang="pt-BR" sz="1600" b="1" i="0" dirty="0">
+                <a:effectLst/>
+                <a:latin typeface="inherit"/>
+              </a:rPr>
+              <a:t>ON DELETE SET NULL</a:t>
+            </a:r>
+            <a:r>
+              <a:rPr lang="pt-BR" sz="1600" b="0" i="0" dirty="0">
+                <a:effectLst/>
+                <a:latin typeface="Open Sans" panose="020B0606030504020204" pitchFamily="34" charset="0"/>
+              </a:rPr>
+              <a:t> – Quando ocorre uma operação de exclusão em uma tabela referenciada, as chaves estrangeiras relacionadas são definidas com valor NULL. Note que os campos de chave estrangeira precisam estar definidos como NULL (aceitar nulos) para que essa operação tenha sucesso.</a:t>
+            </a:r>
+          </a:p>
+          <a:p>
+            <a:pPr algn="l" fontAlgn="base">
+              <a:buFont typeface="Arial" panose="020B0604020202020204" pitchFamily="34" charset="0"/>
+              <a:buChar char="•"/>
+            </a:pPr>
+            <a:endParaRPr lang="pt-BR" sz="1600" b="0" i="0" dirty="0">
+              <a:effectLst/>
+              <a:latin typeface="Open Sans" panose="020B0606030504020204" pitchFamily="34" charset="0"/>
+            </a:endParaRPr>
+          </a:p>
+          <a:p>
+            <a:pPr algn="l" fontAlgn="base">
+              <a:buFont typeface="Arial" panose="020B0604020202020204" pitchFamily="34" charset="0"/>
+              <a:buChar char="•"/>
+            </a:pPr>
+            <a:r>
+              <a:rPr lang="pt-BR" sz="1600" b="1" i="0" dirty="0">
+                <a:effectLst/>
+                <a:latin typeface="inherit"/>
+              </a:rPr>
+              <a:t>ON DELETE SET DEFAULT</a:t>
+            </a:r>
+            <a:r>
+              <a:rPr lang="pt-BR" sz="1600" b="0" i="0" dirty="0">
+                <a:effectLst/>
+                <a:latin typeface="Open Sans" panose="020B0606030504020204" pitchFamily="34" charset="0"/>
+              </a:rPr>
+              <a:t> – Ao ocorrer uma operação de exclusão em uma tabela referenciada, as chaves estrangeiras relacionadas em outras tabelas são definidas com um valor padrão (default).</a:t>
+            </a:r>
+          </a:p>
+          <a:p>
+            <a:pPr algn="l" fontAlgn="base">
+              <a:buFont typeface="Arial" panose="020B0604020202020204" pitchFamily="34" charset="0"/>
+              <a:buChar char="•"/>
+            </a:pPr>
+            <a:endParaRPr lang="pt-BR" sz="1600" b="0" i="0" dirty="0">
+              <a:effectLst/>
+              <a:latin typeface="Open Sans" panose="020B0606030504020204" pitchFamily="34" charset="0"/>
+            </a:endParaRPr>
+          </a:p>
+          <a:p>
+            <a:pPr algn="l" fontAlgn="base">
+              <a:buFont typeface="Arial" panose="020B0604020202020204" pitchFamily="34" charset="0"/>
+              <a:buChar char="•"/>
+            </a:pPr>
+            <a:r>
+              <a:rPr lang="pt-BR" sz="1600" b="1" i="0" dirty="0">
+                <a:effectLst/>
+                <a:latin typeface="inherit"/>
+              </a:rPr>
+              <a:t>ON UPDATE CASCADE</a:t>
+            </a:r>
+            <a:r>
+              <a:rPr lang="pt-BR" sz="1600" b="0" i="0" dirty="0">
+                <a:effectLst/>
+                <a:latin typeface="Open Sans" panose="020B0606030504020204" pitchFamily="34" charset="0"/>
+              </a:rPr>
+              <a:t> – Uma operação de atualização em uma tabela referenciada se propaga para as chaves estrangeiras correspondentes. Ou seja, ao modificar um registro em uma tabela, um registro relacionado em uma coluna de chave estrangeira em outra tabela tem seu valor automaticamente atualizado.</a:t>
+            </a:r>
+          </a:p>
+          <a:p>
+            <a:pPr algn="l" fontAlgn="base">
+              <a:buFont typeface="Arial" panose="020B0604020202020204" pitchFamily="34" charset="0"/>
+              <a:buChar char="•"/>
+            </a:pPr>
+            <a:endParaRPr lang="pt-BR" sz="1600" b="0" i="0" dirty="0">
+              <a:effectLst/>
+              <a:latin typeface="Open Sans" panose="020B0606030504020204" pitchFamily="34" charset="0"/>
+            </a:endParaRPr>
+          </a:p>
+          <a:p>
+            <a:pPr algn="l" fontAlgn="base">
+              <a:buFont typeface="Arial" panose="020B0604020202020204" pitchFamily="34" charset="0"/>
+              <a:buChar char="•"/>
+            </a:pPr>
+            <a:r>
+              <a:rPr lang="pt-BR" sz="1600" b="1" i="0" dirty="0">
+                <a:effectLst/>
+                <a:latin typeface="inherit"/>
+              </a:rPr>
+              <a:t>ON UPDATE SET NULL</a:t>
+            </a:r>
+            <a:r>
+              <a:rPr lang="pt-BR" sz="1600" b="0" i="0" dirty="0">
+                <a:effectLst/>
+                <a:latin typeface="Open Sans" panose="020B0606030504020204" pitchFamily="34" charset="0"/>
+              </a:rPr>
+              <a:t> – Quando uma operação de atualização em uma tabela referenciada é realizada, as chaves estrangeiras relacionadas são definidas com valor NULL. Novamente, os campos de chave estrangeira precisam estar definidos como NULL (aceitar nulos) para que a operação tenha sucesso.</a:t>
+            </a:r>
+          </a:p>
+          <a:p>
+            <a:pPr algn="l" fontAlgn="base">
+              <a:buFont typeface="Arial" panose="020B0604020202020204" pitchFamily="34" charset="0"/>
+              <a:buChar char="•"/>
+            </a:pPr>
+            <a:endParaRPr lang="pt-BR" sz="1600" b="0" i="0" dirty="0">
+              <a:effectLst/>
+              <a:latin typeface="Open Sans" panose="020B0606030504020204" pitchFamily="34" charset="0"/>
+            </a:endParaRPr>
+          </a:p>
+          <a:p>
+            <a:pPr algn="l" fontAlgn="base">
+              <a:buFont typeface="Arial" panose="020B0604020202020204" pitchFamily="34" charset="0"/>
+              <a:buChar char="•"/>
+            </a:pPr>
+            <a:r>
+              <a:rPr lang="pt-BR" sz="1600" b="1" i="0" dirty="0">
+                <a:effectLst/>
+                <a:latin typeface="inherit"/>
+              </a:rPr>
+              <a:t>ON UPDATE SET DEFAULT</a:t>
+            </a:r>
+            <a:r>
+              <a:rPr lang="pt-BR" sz="1600" b="0" i="0" dirty="0">
+                <a:effectLst/>
+                <a:latin typeface="Open Sans" panose="020B0606030504020204" pitchFamily="34" charset="0"/>
+              </a:rPr>
+              <a:t> – Ao ocorrer uma operação de atualização em uma tabela referenciada, as chaves estrangeiras relacionadas em outras tabelas serão definidas com um valor padrão.</a:t>
+            </a:r>
+          </a:p>
+        </p:txBody>
+      </p:sp>
+    </p:spTree>
+    <p:extLst>
+      <p:ext uri="{BB962C8B-B14F-4D97-AF65-F5344CB8AC3E}">
+        <p14:creationId xmlns:p14="http://schemas.microsoft.com/office/powerpoint/2010/main" val="802719438"/>
+      </p:ext>
+    </p:extLst>
+  </p:cSld>
+  <p:clrMapOvr>
+    <a:masterClrMapping/>
+  </p:clrMapOvr>
+</p:sld>
+</file>
+
+<file path=ppt/slides/slide21.xml><?xml version="1.0" encoding="utf-8"?>
+<p:sld xmlns:a="http://schemas.openxmlformats.org/drawingml/2006/main" xmlns:r="http://schemas.openxmlformats.org/officeDocument/2006/relationships" xmlns:p="http://schemas.openxmlformats.org/presentationml/2006/main">
+  <p:cSld>
+    <p:spTree>
+      <p:nvGrpSpPr>
+        <p:cNvPr id="1" name=""/>
+        <p:cNvGrpSpPr/>
+        <p:nvPr/>
+      </p:nvGrpSpPr>
+      <p:grpSpPr>
+        <a:xfrm>
+          <a:off x="0" y="0"/>
+          <a:ext cx="0" cy="0"/>
+          <a:chOff x="0" y="0"/>
+          <a:chExt cx="0" cy="0"/>
+        </a:xfrm>
+      </p:grpSpPr>
+      <p:sp>
+        <p:nvSpPr>
+          <p:cNvPr id="9" name="CaixaDeTexto 8">
+            <a:extLst>
+              <a:ext uri="{FF2B5EF4-FFF2-40B4-BE49-F238E27FC236}">
+                <a16:creationId xmlns:a16="http://schemas.microsoft.com/office/drawing/2014/main" id="{7A02424A-D3F7-49ED-9272-AE38106E51E9}"/>
+              </a:ext>
+            </a:extLst>
+          </p:cNvPr>
+          <p:cNvSpPr txBox="1"/>
+          <p:nvPr/>
+        </p:nvSpPr>
+        <p:spPr>
+          <a:xfrm>
+            <a:off x="4202757" y="287189"/>
+            <a:ext cx="3786486" cy="307777"/>
+          </a:xfrm>
+          <a:prstGeom prst="rect">
+            <a:avLst/>
+          </a:prstGeom>
+          <a:noFill/>
+        </p:spPr>
+        <p:txBody>
+          <a:bodyPr wrap="none" rtlCol="0">
+            <a:spAutoFit/>
+          </a:bodyPr>
+          <a:lstStyle/>
+          <a:p>
+            <a:pPr algn="l" fontAlgn="base"/>
+            <a:r>
+              <a:rPr lang="en-US" sz="1400" b="1" i="0" dirty="0">
+                <a:effectLst/>
+                <a:latin typeface="Open Sans" panose="020B0606030504020204" pitchFamily="34" charset="0"/>
+              </a:rPr>
+              <a:t>DELETE RESTRICTED e UPDATE RESTRICTED</a:t>
+            </a:r>
+          </a:p>
+        </p:txBody>
+      </p:sp>
+      <p:sp>
+        <p:nvSpPr>
+          <p:cNvPr id="2" name="CaixaDeTexto 1">
+            <a:extLst>
+              <a:ext uri="{FF2B5EF4-FFF2-40B4-BE49-F238E27FC236}">
+                <a16:creationId xmlns:a16="http://schemas.microsoft.com/office/drawing/2014/main" id="{9EE67E62-772B-4B12-C46F-89B5C6DF6E97}"/>
+              </a:ext>
+            </a:extLst>
+          </p:cNvPr>
+          <p:cNvSpPr txBox="1"/>
+          <p:nvPr/>
+        </p:nvSpPr>
+        <p:spPr>
+          <a:xfrm>
+            <a:off x="451104" y="753834"/>
+            <a:ext cx="11375136" cy="5262979"/>
+          </a:xfrm>
+          <a:prstGeom prst="rect">
+            <a:avLst/>
+          </a:prstGeom>
+          <a:noFill/>
+        </p:spPr>
+        <p:txBody>
+          <a:bodyPr wrap="square" rtlCol="0">
+            <a:spAutoFit/>
+          </a:bodyPr>
+          <a:lstStyle/>
+          <a:p>
+            <a:pPr algn="l" fontAlgn="base">
+              <a:buFont typeface="Arial" panose="020B0604020202020204" pitchFamily="34" charset="0"/>
+              <a:buChar char="•"/>
+            </a:pPr>
+            <a:r>
+              <a:rPr lang="pt-BR" sz="2800" b="1" i="0" dirty="0">
+                <a:effectLst/>
+                <a:latin typeface="inherit"/>
+              </a:rPr>
+              <a:t>DELETE RESTRICTED</a:t>
+            </a:r>
+            <a:r>
+              <a:rPr lang="pt-BR" sz="2800" b="0" i="0" dirty="0">
+                <a:effectLst/>
+                <a:latin typeface="Open Sans" panose="020B0606030504020204" pitchFamily="34" charset="0"/>
+              </a:rPr>
+              <a:t> – Linhas na tabela referenciada (com a chave primária) somente podem ser excluídas se não houver valores de chave estrangeira correspondentes na tabela relacionada. Ou seja, só podemos excluir uma linha na tabela se ainda não existir nenhum registro relacionado com um valor de chave primária da tabela. Por exemplo, somente é possível excluir um autor da tabela de autores se ainda não houver nenhum livro daquele autor cadastrado na tabela de livros (onde o ID do autor é a chave estrangeira do relacionamento).</a:t>
+            </a:r>
+          </a:p>
+          <a:p>
+            <a:pPr algn="l" fontAlgn="base">
+              <a:buFont typeface="Arial" panose="020B0604020202020204" pitchFamily="34" charset="0"/>
+              <a:buChar char="•"/>
+            </a:pPr>
+            <a:endParaRPr lang="pt-BR" sz="2800" b="0" i="0" dirty="0">
+              <a:effectLst/>
+              <a:latin typeface="Open Sans" panose="020B0606030504020204" pitchFamily="34" charset="0"/>
+            </a:endParaRPr>
+          </a:p>
+          <a:p>
+            <a:pPr algn="l" fontAlgn="base">
+              <a:buFont typeface="Arial" panose="020B0604020202020204" pitchFamily="34" charset="0"/>
+              <a:buChar char="•"/>
+            </a:pPr>
+            <a:r>
+              <a:rPr lang="pt-BR" sz="2800" b="1" i="0" dirty="0">
+                <a:effectLst/>
+                <a:latin typeface="inherit"/>
+              </a:rPr>
+              <a:t>UPDATE RESTRICTED</a:t>
+            </a:r>
+            <a:r>
+              <a:rPr lang="pt-BR" sz="2800" b="0" i="0" dirty="0">
+                <a:effectLst/>
+                <a:latin typeface="Open Sans" panose="020B0606030504020204" pitchFamily="34" charset="0"/>
+              </a:rPr>
+              <a:t> – Idem ao anterior, porém para a operação de atualização de registros na tabela.</a:t>
+            </a:r>
+          </a:p>
+        </p:txBody>
+      </p:sp>
+    </p:spTree>
+    <p:extLst>
+      <p:ext uri="{BB962C8B-B14F-4D97-AF65-F5344CB8AC3E}">
+        <p14:creationId xmlns:p14="http://schemas.microsoft.com/office/powerpoint/2010/main" val="2982095029"/>
+      </p:ext>
+    </p:extLst>
+  </p:cSld>
+  <p:clrMapOvr>
+    <a:masterClrMapping/>
+  </p:clrMapOvr>
+</p:sld>
+</file>
+
 <file path=ppt/slides/slide3.xml><?xml version="1.0" encoding="utf-8"?>
 <p:sld xmlns:a="http://schemas.openxmlformats.org/drawingml/2006/main" xmlns:r="http://schemas.openxmlformats.org/officeDocument/2006/relationships" xmlns:p="http://schemas.openxmlformats.org/presentationml/2006/main">
   <p:cSld>

--- a/BDIIA05.pptx
+++ b/BDIIA05.pptx
@@ -6233,8 +6233,8 @@
         </p:blipFill>
         <p:spPr>
           <a:xfrm>
-            <a:off x="1999488" y="1579094"/>
-            <a:ext cx="8666825" cy="4531386"/>
+            <a:off x="1151827" y="1579094"/>
+            <a:ext cx="9888345" cy="5170049"/>
           </a:xfrm>
           <a:prstGeom prst="rect">
             <a:avLst/>
@@ -6373,8 +6373,8 @@
         </p:blipFill>
         <p:spPr>
           <a:xfrm>
-            <a:off x="869184" y="1087821"/>
-            <a:ext cx="10524030" cy="4713889"/>
+            <a:off x="391886" y="1087821"/>
+            <a:ext cx="11625944" cy="5207455"/>
           </a:xfrm>
           <a:prstGeom prst="rect">
             <a:avLst/>
